--- a/file/PowerPoint.pptx
+++ b/file/PowerPoint.pptx
@@ -295,6 +295,18 @@
   <p:clrMapOvr>
     <a:masterClrMapping/>
   </p:clrMapOvr>
+  <mc:AlternateContent xmlns:mc="http://schemas.openxmlformats.org/markup-compatibility/2006">
+    <mc:Choice xmlns:p14="http://schemas.microsoft.com/office/powerpoint/2010/main" Requires="p14">
+      <p:transition p14:dur="500">
+        <p:push dir="u"/>
+      </p:transition>
+    </mc:Choice>
+    <mc:Fallback>
+      <p:transition>
+        <p:push dir="u"/>
+      </p:transition>
+    </mc:Fallback>
+  </mc:AlternateContent>
 </p:sldLayout>
 </file>
 
@@ -462,6 +474,18 @@
   <p:clrMapOvr>
     <a:masterClrMapping/>
   </p:clrMapOvr>
+  <mc:AlternateContent xmlns:mc="http://schemas.openxmlformats.org/markup-compatibility/2006">
+    <mc:Choice xmlns:p14="http://schemas.microsoft.com/office/powerpoint/2010/main" Requires="p14">
+      <p:transition p14:dur="500">
+        <p:push dir="u"/>
+      </p:transition>
+    </mc:Choice>
+    <mc:Fallback>
+      <p:transition>
+        <p:push dir="u"/>
+      </p:transition>
+    </mc:Fallback>
+  </mc:AlternateContent>
 </p:sldLayout>
 </file>
 
@@ -639,6 +663,18 @@
   <p:clrMapOvr>
     <a:masterClrMapping/>
   </p:clrMapOvr>
+  <mc:AlternateContent xmlns:mc="http://schemas.openxmlformats.org/markup-compatibility/2006">
+    <mc:Choice xmlns:p14="http://schemas.microsoft.com/office/powerpoint/2010/main" Requires="p14">
+      <p:transition p14:dur="500">
+        <p:push dir="u"/>
+      </p:transition>
+    </mc:Choice>
+    <mc:Fallback>
+      <p:transition>
+        <p:push dir="u"/>
+      </p:transition>
+    </mc:Fallback>
+  </mc:AlternateContent>
 </p:sldLayout>
 </file>
 
@@ -806,6 +842,18 @@
   <p:clrMapOvr>
     <a:masterClrMapping/>
   </p:clrMapOvr>
+  <mc:AlternateContent xmlns:mc="http://schemas.openxmlformats.org/markup-compatibility/2006">
+    <mc:Choice xmlns:p14="http://schemas.microsoft.com/office/powerpoint/2010/main" Requires="p14">
+      <p:transition p14:dur="500">
+        <p:push dir="u"/>
+      </p:transition>
+    </mc:Choice>
+    <mc:Fallback>
+      <p:transition>
+        <p:push dir="u"/>
+      </p:transition>
+    </mc:Fallback>
+  </mc:AlternateContent>
 </p:sldLayout>
 </file>
 
@@ -1046,6 +1094,18 @@
   <p:clrMapOvr>
     <a:masterClrMapping/>
   </p:clrMapOvr>
+  <mc:AlternateContent xmlns:mc="http://schemas.openxmlformats.org/markup-compatibility/2006">
+    <mc:Choice xmlns:p14="http://schemas.microsoft.com/office/powerpoint/2010/main" Requires="p14">
+      <p:transition p14:dur="500">
+        <p:push dir="u"/>
+      </p:transition>
+    </mc:Choice>
+    <mc:Fallback>
+      <p:transition>
+        <p:push dir="u"/>
+      </p:transition>
+    </mc:Fallback>
+  </mc:AlternateContent>
 </p:sldLayout>
 </file>
 
@@ -1279,6 +1339,18 @@
   <p:clrMapOvr>
     <a:masterClrMapping/>
   </p:clrMapOvr>
+  <mc:AlternateContent xmlns:mc="http://schemas.openxmlformats.org/markup-compatibility/2006">
+    <mc:Choice xmlns:p14="http://schemas.microsoft.com/office/powerpoint/2010/main" Requires="p14">
+      <p:transition p14:dur="500">
+        <p:push dir="u"/>
+      </p:transition>
+    </mc:Choice>
+    <mc:Fallback>
+      <p:transition>
+        <p:push dir="u"/>
+      </p:transition>
+    </mc:Fallback>
+  </mc:AlternateContent>
 </p:sldLayout>
 </file>
 
@@ -1649,6 +1721,18 @@
   <p:clrMapOvr>
     <a:masterClrMapping/>
   </p:clrMapOvr>
+  <mc:AlternateContent xmlns:mc="http://schemas.openxmlformats.org/markup-compatibility/2006">
+    <mc:Choice xmlns:p14="http://schemas.microsoft.com/office/powerpoint/2010/main" Requires="p14">
+      <p:transition p14:dur="500">
+        <p:push dir="u"/>
+      </p:transition>
+    </mc:Choice>
+    <mc:Fallback>
+      <p:transition>
+        <p:push dir="u"/>
+      </p:transition>
+    </mc:Fallback>
+  </mc:AlternateContent>
 </p:sldLayout>
 </file>
 
@@ -1760,6 +1844,18 @@
   <p:clrMapOvr>
     <a:masterClrMapping/>
   </p:clrMapOvr>
+  <mc:AlternateContent xmlns:mc="http://schemas.openxmlformats.org/markup-compatibility/2006">
+    <mc:Choice xmlns:p14="http://schemas.microsoft.com/office/powerpoint/2010/main" Requires="p14">
+      <p:transition p14:dur="500">
+        <p:push dir="u"/>
+      </p:transition>
+    </mc:Choice>
+    <mc:Fallback>
+      <p:transition>
+        <p:push dir="u"/>
+      </p:transition>
+    </mc:Fallback>
+  </mc:AlternateContent>
 </p:sldLayout>
 </file>
 
@@ -1848,6 +1944,18 @@
   <p:clrMapOvr>
     <a:masterClrMapping/>
   </p:clrMapOvr>
+  <mc:AlternateContent xmlns:mc="http://schemas.openxmlformats.org/markup-compatibility/2006">
+    <mc:Choice xmlns:p14="http://schemas.microsoft.com/office/powerpoint/2010/main" Requires="p14">
+      <p:transition p14:dur="500">
+        <p:push dir="u"/>
+      </p:transition>
+    </mc:Choice>
+    <mc:Fallback>
+      <p:transition>
+        <p:push dir="u"/>
+      </p:transition>
+    </mc:Fallback>
+  </mc:AlternateContent>
 </p:sldLayout>
 </file>
 
@@ -2123,6 +2231,18 @@
   <p:clrMapOvr>
     <a:masterClrMapping/>
   </p:clrMapOvr>
+  <mc:AlternateContent xmlns:mc="http://schemas.openxmlformats.org/markup-compatibility/2006">
+    <mc:Choice xmlns:p14="http://schemas.microsoft.com/office/powerpoint/2010/main" Requires="p14">
+      <p:transition p14:dur="500">
+        <p:push dir="u"/>
+      </p:transition>
+    </mc:Choice>
+    <mc:Fallback>
+      <p:transition>
+        <p:push dir="u"/>
+      </p:transition>
+    </mc:Fallback>
+  </mc:AlternateContent>
 </p:sldLayout>
 </file>
 
@@ -2370,6 +2490,18 @@
   <p:clrMapOvr>
     <a:masterClrMapping/>
   </p:clrMapOvr>
+  <mc:AlternateContent xmlns:mc="http://schemas.openxmlformats.org/markup-compatibility/2006">
+    <mc:Choice xmlns:p14="http://schemas.microsoft.com/office/powerpoint/2010/main" Requires="p14">
+      <p:transition p14:dur="500">
+        <p:push dir="u"/>
+      </p:transition>
+    </mc:Choice>
+    <mc:Fallback>
+      <p:transition>
+        <p:push dir="u"/>
+      </p:transition>
+    </mc:Fallback>
+  </mc:AlternateContent>
 </p:sldLayout>
 </file>
 
@@ -2630,6 +2762,18 @@
     <p:sldLayoutId id="2147483658" r:id="rId10"/>
     <p:sldLayoutId id="2147483659" r:id="rId11"/>
   </p:sldLayoutIdLst>
+  <mc:AlternateContent xmlns:mc="http://schemas.openxmlformats.org/markup-compatibility/2006">
+    <mc:Choice xmlns:p14="http://schemas.microsoft.com/office/powerpoint/2010/main" Requires="p14">
+      <p:transition p14:dur="500">
+        <p:push dir="u"/>
+      </p:transition>
+    </mc:Choice>
+    <mc:Fallback>
+      <p:transition>
+        <p:push dir="u"/>
+      </p:transition>
+    </mc:Fallback>
+  </mc:AlternateContent>
   <p:txStyles>
     <p:titleStyle>
       <a:lvl1pPr algn="l" defTabSz="914400" rtl="0" eaLnBrk="1" latinLnBrk="0" hangingPunct="1">
@@ -3166,6 +3310,9 @@
   <p:clrMapOvr>
     <a:masterClrMapping/>
   </p:clrMapOvr>
+  <p:transition>
+    <p:push dir="u"/>
+  </p:transition>
   <p:timing>
     <p:tnLst>
       <p:par>
@@ -3477,6 +3624,203 @@
   <p:clrMapOvr>
     <a:masterClrMapping/>
   </p:clrMapOvr>
+  <p:transition>
+    <p:push dir="u"/>
+  </p:transition>
+  <p:timing>
+    <p:tnLst>
+      <p:par>
+        <p:cTn id="1" dur="indefinite" restart="never" nodeType="tmRoot">
+          <p:childTnLst>
+            <p:seq concurrent="1" nextAc="seek">
+              <p:cTn id="2" dur="indefinite" nodeType="mainSeq">
+                <p:childTnLst>
+                  <p:par>
+                    <p:cTn id="3" fill="hold">
+                      <p:stCondLst>
+                        <p:cond delay="indefinite"/>
+                      </p:stCondLst>
+                      <p:childTnLst>
+                        <p:par>
+                          <p:cTn id="4" fill="hold">
+                            <p:stCondLst>
+                              <p:cond delay="0"/>
+                            </p:stCondLst>
+                            <p:childTnLst>
+                              <p:par>
+                                <p:cTn id="5" presetID="9" presetClass="entr" presetSubtype="0" fill="hold" grpId="0" nodeType="clickEffect">
+                                  <p:stCondLst>
+                                    <p:cond delay="0"/>
+                                  </p:stCondLst>
+                                  <p:childTnLst>
+                                    <p:set>
+                                      <p:cBhvr>
+                                        <p:cTn id="6" dur="1" fill="hold">
+                                          <p:stCondLst>
+                                            <p:cond delay="0"/>
+                                          </p:stCondLst>
+                                        </p:cTn>
+                                        <p:tgtEl>
+                                          <p:spTgt spid="2"/>
+                                        </p:tgtEl>
+                                        <p:attrNameLst>
+                                          <p:attrName>style.visibility</p:attrName>
+                                        </p:attrNameLst>
+                                      </p:cBhvr>
+                                      <p:to>
+                                        <p:strVal val="visible"/>
+                                      </p:to>
+                                    </p:set>
+                                    <p:animEffect transition="in" filter="dissolve">
+                                      <p:cBhvr>
+                                        <p:cTn id="7" dur="500"/>
+                                        <p:tgtEl>
+                                          <p:spTgt spid="2"/>
+                                        </p:tgtEl>
+                                      </p:cBhvr>
+                                    </p:animEffect>
+                                  </p:childTnLst>
+                                </p:cTn>
+                              </p:par>
+                              <p:par>
+                                <p:cTn id="8" presetID="9" presetClass="entr" presetSubtype="0" fill="hold" grpId="0" nodeType="withEffect">
+                                  <p:stCondLst>
+                                    <p:cond delay="0"/>
+                                  </p:stCondLst>
+                                  <p:childTnLst>
+                                    <p:set>
+                                      <p:cBhvr>
+                                        <p:cTn id="9" dur="1" fill="hold">
+                                          <p:stCondLst>
+                                            <p:cond delay="0"/>
+                                          </p:stCondLst>
+                                        </p:cTn>
+                                        <p:tgtEl>
+                                          <p:spTgt spid="3"/>
+                                        </p:tgtEl>
+                                        <p:attrNameLst>
+                                          <p:attrName>style.visibility</p:attrName>
+                                        </p:attrNameLst>
+                                      </p:cBhvr>
+                                      <p:to>
+                                        <p:strVal val="visible"/>
+                                      </p:to>
+                                    </p:set>
+                                    <p:animEffect transition="in" filter="dissolve">
+                                      <p:cBhvr>
+                                        <p:cTn id="10" dur="500"/>
+                                        <p:tgtEl>
+                                          <p:spTgt spid="3"/>
+                                        </p:tgtEl>
+                                      </p:cBhvr>
+                                    </p:animEffect>
+                                  </p:childTnLst>
+                                </p:cTn>
+                              </p:par>
+                              <p:par>
+                                <p:cTn id="11" presetID="9" presetClass="entr" presetSubtype="0" fill="hold" grpId="0" nodeType="withEffect">
+                                  <p:stCondLst>
+                                    <p:cond delay="0"/>
+                                  </p:stCondLst>
+                                  <p:childTnLst>
+                                    <p:set>
+                                      <p:cBhvr>
+                                        <p:cTn id="12" dur="1" fill="hold">
+                                          <p:stCondLst>
+                                            <p:cond delay="0"/>
+                                          </p:stCondLst>
+                                        </p:cTn>
+                                        <p:tgtEl>
+                                          <p:spTgt spid="4"/>
+                                        </p:tgtEl>
+                                        <p:attrNameLst>
+                                          <p:attrName>style.visibility</p:attrName>
+                                        </p:attrNameLst>
+                                      </p:cBhvr>
+                                      <p:to>
+                                        <p:strVal val="visible"/>
+                                      </p:to>
+                                    </p:set>
+                                    <p:animEffect transition="in" filter="dissolve">
+                                      <p:cBhvr>
+                                        <p:cTn id="13" dur="500"/>
+                                        <p:tgtEl>
+                                          <p:spTgt spid="4"/>
+                                        </p:tgtEl>
+                                      </p:cBhvr>
+                                    </p:animEffect>
+                                  </p:childTnLst>
+                                </p:cTn>
+                              </p:par>
+                              <p:par>
+                                <p:cTn id="14" presetID="9" presetClass="entr" presetSubtype="0" fill="hold" grpId="0" nodeType="withEffect">
+                                  <p:stCondLst>
+                                    <p:cond delay="0"/>
+                                  </p:stCondLst>
+                                  <p:childTnLst>
+                                    <p:set>
+                                      <p:cBhvr>
+                                        <p:cTn id="15" dur="1" fill="hold">
+                                          <p:stCondLst>
+                                            <p:cond delay="0"/>
+                                          </p:stCondLst>
+                                        </p:cTn>
+                                        <p:tgtEl>
+                                          <p:spTgt spid="5"/>
+                                        </p:tgtEl>
+                                        <p:attrNameLst>
+                                          <p:attrName>style.visibility</p:attrName>
+                                        </p:attrNameLst>
+                                      </p:cBhvr>
+                                      <p:to>
+                                        <p:strVal val="visible"/>
+                                      </p:to>
+                                    </p:set>
+                                    <p:animEffect transition="in" filter="dissolve">
+                                      <p:cBhvr>
+                                        <p:cTn id="16" dur="500"/>
+                                        <p:tgtEl>
+                                          <p:spTgt spid="5"/>
+                                        </p:tgtEl>
+                                      </p:cBhvr>
+                                    </p:animEffect>
+                                  </p:childTnLst>
+                                </p:cTn>
+                              </p:par>
+                            </p:childTnLst>
+                          </p:cTn>
+                        </p:par>
+                      </p:childTnLst>
+                    </p:cTn>
+                  </p:par>
+                </p:childTnLst>
+              </p:cTn>
+              <p:prevCondLst>
+                <p:cond evt="onPrev" delay="0">
+                  <p:tgtEl>
+                    <p:sldTgt/>
+                  </p:tgtEl>
+                </p:cond>
+              </p:prevCondLst>
+              <p:nextCondLst>
+                <p:cond evt="onNext" delay="0">
+                  <p:tgtEl>
+                    <p:sldTgt/>
+                  </p:tgtEl>
+                </p:cond>
+              </p:nextCondLst>
+            </p:seq>
+          </p:childTnLst>
+        </p:cTn>
+      </p:par>
+    </p:tnLst>
+    <p:bldLst>
+      <p:bldP spid="2" grpId="0" animBg="1"/>
+      <p:bldP spid="3" grpId="0" animBg="1"/>
+      <p:bldP spid="4" grpId="0"/>
+      <p:bldP spid="5" grpId="0"/>
+    </p:bldLst>
+  </p:timing>
 </p:sld>
 </file>
 
@@ -3851,12 +4195,408 @@
   <p:clrMapOvr>
     <a:masterClrMapping/>
   </p:clrMapOvr>
+  <p:transition>
+    <p:push dir="u"/>
+  </p:transition>
   <p:timing>
     <p:tnLst>
       <p:par>
-        <p:cTn id="1" dur="indefinite" restart="never" nodeType="tmRoot"/>
+        <p:cTn id="1" dur="indefinite" restart="never" nodeType="tmRoot">
+          <p:childTnLst>
+            <p:seq concurrent="1" nextAc="seek">
+              <p:cTn id="2" dur="indefinite" nodeType="mainSeq">
+                <p:childTnLst>
+                  <p:par>
+                    <p:cTn id="3" fill="hold">
+                      <p:stCondLst>
+                        <p:cond delay="indefinite"/>
+                      </p:stCondLst>
+                      <p:childTnLst>
+                        <p:par>
+                          <p:cTn id="4" fill="hold">
+                            <p:stCondLst>
+                              <p:cond delay="0"/>
+                            </p:stCondLst>
+                            <p:childTnLst>
+                              <p:par>
+                                <p:cTn id="5" presetID="2" presetClass="entr" presetSubtype="4" fill="hold" grpId="0" nodeType="clickEffect">
+                                  <p:stCondLst>
+                                    <p:cond delay="0"/>
+                                  </p:stCondLst>
+                                  <p:childTnLst>
+                                    <p:set>
+                                      <p:cBhvr>
+                                        <p:cTn id="6" dur="1" fill="hold">
+                                          <p:stCondLst>
+                                            <p:cond delay="0"/>
+                                          </p:stCondLst>
+                                        </p:cTn>
+                                        <p:tgtEl>
+                                          <p:spTgt spid="12"/>
+                                        </p:tgtEl>
+                                        <p:attrNameLst>
+                                          <p:attrName>style.visibility</p:attrName>
+                                        </p:attrNameLst>
+                                      </p:cBhvr>
+                                      <p:to>
+                                        <p:strVal val="visible"/>
+                                      </p:to>
+                                    </p:set>
+                                    <p:anim calcmode="lin" valueType="num">
+                                      <p:cBhvr additive="base">
+                                        <p:cTn id="7" dur="500" fill="hold"/>
+                                        <p:tgtEl>
+                                          <p:spTgt spid="12"/>
+                                        </p:tgtEl>
+                                        <p:attrNameLst>
+                                          <p:attrName>ppt_x</p:attrName>
+                                        </p:attrNameLst>
+                                      </p:cBhvr>
+                                      <p:tavLst>
+                                        <p:tav tm="0">
+                                          <p:val>
+                                            <p:strVal val="#ppt_x"/>
+                                          </p:val>
+                                        </p:tav>
+                                        <p:tav tm="100000">
+                                          <p:val>
+                                            <p:strVal val="#ppt_x"/>
+                                          </p:val>
+                                        </p:tav>
+                                      </p:tavLst>
+                                    </p:anim>
+                                    <p:anim calcmode="lin" valueType="num">
+                                      <p:cBhvr additive="base">
+                                        <p:cTn id="8" dur="500" fill="hold"/>
+                                        <p:tgtEl>
+                                          <p:spTgt spid="12"/>
+                                        </p:tgtEl>
+                                        <p:attrNameLst>
+                                          <p:attrName>ppt_y</p:attrName>
+                                        </p:attrNameLst>
+                                      </p:cBhvr>
+                                      <p:tavLst>
+                                        <p:tav tm="0">
+                                          <p:val>
+                                            <p:strVal val="1+#ppt_h/2"/>
+                                          </p:val>
+                                        </p:tav>
+                                        <p:tav tm="100000">
+                                          <p:val>
+                                            <p:strVal val="#ppt_y"/>
+                                          </p:val>
+                                        </p:tav>
+                                      </p:tavLst>
+                                    </p:anim>
+                                  </p:childTnLst>
+                                </p:cTn>
+                              </p:par>
+                            </p:childTnLst>
+                          </p:cTn>
+                        </p:par>
+                      </p:childTnLst>
+                    </p:cTn>
+                  </p:par>
+                  <p:par>
+                    <p:cTn id="9" fill="hold">
+                      <p:stCondLst>
+                        <p:cond delay="indefinite"/>
+                      </p:stCondLst>
+                      <p:childTnLst>
+                        <p:par>
+                          <p:cTn id="10" fill="hold">
+                            <p:stCondLst>
+                              <p:cond delay="0"/>
+                            </p:stCondLst>
+                            <p:childTnLst>
+                              <p:par>
+                                <p:cTn id="11" presetID="2" presetClass="entr" presetSubtype="4" fill="hold" grpId="0" nodeType="clickEffect">
+                                  <p:stCondLst>
+                                    <p:cond delay="0"/>
+                                  </p:stCondLst>
+                                  <p:childTnLst>
+                                    <p:set>
+                                      <p:cBhvr>
+                                        <p:cTn id="12" dur="1" fill="hold">
+                                          <p:stCondLst>
+                                            <p:cond delay="0"/>
+                                          </p:stCondLst>
+                                        </p:cTn>
+                                        <p:tgtEl>
+                                          <p:spTgt spid="13"/>
+                                        </p:tgtEl>
+                                        <p:attrNameLst>
+                                          <p:attrName>style.visibility</p:attrName>
+                                        </p:attrNameLst>
+                                      </p:cBhvr>
+                                      <p:to>
+                                        <p:strVal val="visible"/>
+                                      </p:to>
+                                    </p:set>
+                                    <p:anim calcmode="lin" valueType="num">
+                                      <p:cBhvr additive="base">
+                                        <p:cTn id="13" dur="500" fill="hold"/>
+                                        <p:tgtEl>
+                                          <p:spTgt spid="13"/>
+                                        </p:tgtEl>
+                                        <p:attrNameLst>
+                                          <p:attrName>ppt_x</p:attrName>
+                                        </p:attrNameLst>
+                                      </p:cBhvr>
+                                      <p:tavLst>
+                                        <p:tav tm="0">
+                                          <p:val>
+                                            <p:strVal val="#ppt_x"/>
+                                          </p:val>
+                                        </p:tav>
+                                        <p:tav tm="100000">
+                                          <p:val>
+                                            <p:strVal val="#ppt_x"/>
+                                          </p:val>
+                                        </p:tav>
+                                      </p:tavLst>
+                                    </p:anim>
+                                    <p:anim calcmode="lin" valueType="num">
+                                      <p:cBhvr additive="base">
+                                        <p:cTn id="14" dur="500" fill="hold"/>
+                                        <p:tgtEl>
+                                          <p:spTgt spid="13"/>
+                                        </p:tgtEl>
+                                        <p:attrNameLst>
+                                          <p:attrName>ppt_y</p:attrName>
+                                        </p:attrNameLst>
+                                      </p:cBhvr>
+                                      <p:tavLst>
+                                        <p:tav tm="0">
+                                          <p:val>
+                                            <p:strVal val="1+#ppt_h/2"/>
+                                          </p:val>
+                                        </p:tav>
+                                        <p:tav tm="100000">
+                                          <p:val>
+                                            <p:strVal val="#ppt_y"/>
+                                          </p:val>
+                                        </p:tav>
+                                      </p:tavLst>
+                                    </p:anim>
+                                  </p:childTnLst>
+                                </p:cTn>
+                              </p:par>
+                            </p:childTnLst>
+                          </p:cTn>
+                        </p:par>
+                      </p:childTnLst>
+                    </p:cTn>
+                  </p:par>
+                  <p:par>
+                    <p:cTn id="15" fill="hold">
+                      <p:stCondLst>
+                        <p:cond delay="indefinite"/>
+                      </p:stCondLst>
+                      <p:childTnLst>
+                        <p:par>
+                          <p:cTn id="16" fill="hold">
+                            <p:stCondLst>
+                              <p:cond delay="0"/>
+                            </p:stCondLst>
+                            <p:childTnLst>
+                              <p:par>
+                                <p:cTn id="17" presetID="2" presetClass="entr" presetSubtype="4" fill="hold" grpId="0" nodeType="clickEffect">
+                                  <p:stCondLst>
+                                    <p:cond delay="0"/>
+                                  </p:stCondLst>
+                                  <p:childTnLst>
+                                    <p:set>
+                                      <p:cBhvr>
+                                        <p:cTn id="18" dur="1" fill="hold">
+                                          <p:stCondLst>
+                                            <p:cond delay="0"/>
+                                          </p:stCondLst>
+                                        </p:cTn>
+                                        <p:tgtEl>
+                                          <p:spTgt spid="15"/>
+                                        </p:tgtEl>
+                                        <p:attrNameLst>
+                                          <p:attrName>style.visibility</p:attrName>
+                                        </p:attrNameLst>
+                                      </p:cBhvr>
+                                      <p:to>
+                                        <p:strVal val="visible"/>
+                                      </p:to>
+                                    </p:set>
+                                    <p:anim calcmode="lin" valueType="num">
+                                      <p:cBhvr additive="base">
+                                        <p:cTn id="19" dur="500" fill="hold"/>
+                                        <p:tgtEl>
+                                          <p:spTgt spid="15"/>
+                                        </p:tgtEl>
+                                        <p:attrNameLst>
+                                          <p:attrName>ppt_x</p:attrName>
+                                        </p:attrNameLst>
+                                      </p:cBhvr>
+                                      <p:tavLst>
+                                        <p:tav tm="0">
+                                          <p:val>
+                                            <p:strVal val="#ppt_x"/>
+                                          </p:val>
+                                        </p:tav>
+                                        <p:tav tm="100000">
+                                          <p:val>
+                                            <p:strVal val="#ppt_x"/>
+                                          </p:val>
+                                        </p:tav>
+                                      </p:tavLst>
+                                    </p:anim>
+                                    <p:anim calcmode="lin" valueType="num">
+                                      <p:cBhvr additive="base">
+                                        <p:cTn id="20" dur="500" fill="hold"/>
+                                        <p:tgtEl>
+                                          <p:spTgt spid="15"/>
+                                        </p:tgtEl>
+                                        <p:attrNameLst>
+                                          <p:attrName>ppt_y</p:attrName>
+                                        </p:attrNameLst>
+                                      </p:cBhvr>
+                                      <p:tavLst>
+                                        <p:tav tm="0">
+                                          <p:val>
+                                            <p:strVal val="1+#ppt_h/2"/>
+                                          </p:val>
+                                        </p:tav>
+                                        <p:tav tm="100000">
+                                          <p:val>
+                                            <p:strVal val="#ppt_y"/>
+                                          </p:val>
+                                        </p:tav>
+                                      </p:tavLst>
+                                    </p:anim>
+                                  </p:childTnLst>
+                                </p:cTn>
+                              </p:par>
+                            </p:childTnLst>
+                          </p:cTn>
+                        </p:par>
+                      </p:childTnLst>
+                    </p:cTn>
+                  </p:par>
+                  <p:par>
+                    <p:cTn id="21" fill="hold">
+                      <p:stCondLst>
+                        <p:cond delay="indefinite"/>
+                      </p:stCondLst>
+                      <p:childTnLst>
+                        <p:par>
+                          <p:cTn id="22" fill="hold">
+                            <p:stCondLst>
+                              <p:cond delay="0"/>
+                            </p:stCondLst>
+                            <p:childTnLst>
+                              <p:par>
+                                <p:cTn id="23" presetID="2" presetClass="entr" presetSubtype="4" fill="hold" grpId="0" nodeType="clickEffect">
+                                  <p:stCondLst>
+                                    <p:cond delay="0"/>
+                                  </p:stCondLst>
+                                  <p:childTnLst>
+                                    <p:set>
+                                      <p:cBhvr>
+                                        <p:cTn id="24" dur="1" fill="hold">
+                                          <p:stCondLst>
+                                            <p:cond delay="0"/>
+                                          </p:stCondLst>
+                                        </p:cTn>
+                                        <p:tgtEl>
+                                          <p:spTgt spid="16"/>
+                                        </p:tgtEl>
+                                        <p:attrNameLst>
+                                          <p:attrName>style.visibility</p:attrName>
+                                        </p:attrNameLst>
+                                      </p:cBhvr>
+                                      <p:to>
+                                        <p:strVal val="visible"/>
+                                      </p:to>
+                                    </p:set>
+                                    <p:anim calcmode="lin" valueType="num">
+                                      <p:cBhvr additive="base">
+                                        <p:cTn id="25" dur="500" fill="hold"/>
+                                        <p:tgtEl>
+                                          <p:spTgt spid="16"/>
+                                        </p:tgtEl>
+                                        <p:attrNameLst>
+                                          <p:attrName>ppt_x</p:attrName>
+                                        </p:attrNameLst>
+                                      </p:cBhvr>
+                                      <p:tavLst>
+                                        <p:tav tm="0">
+                                          <p:val>
+                                            <p:strVal val="#ppt_x"/>
+                                          </p:val>
+                                        </p:tav>
+                                        <p:tav tm="100000">
+                                          <p:val>
+                                            <p:strVal val="#ppt_x"/>
+                                          </p:val>
+                                        </p:tav>
+                                      </p:tavLst>
+                                    </p:anim>
+                                    <p:anim calcmode="lin" valueType="num">
+                                      <p:cBhvr additive="base">
+                                        <p:cTn id="26" dur="500" fill="hold"/>
+                                        <p:tgtEl>
+                                          <p:spTgt spid="16"/>
+                                        </p:tgtEl>
+                                        <p:attrNameLst>
+                                          <p:attrName>ppt_y</p:attrName>
+                                        </p:attrNameLst>
+                                      </p:cBhvr>
+                                      <p:tavLst>
+                                        <p:tav tm="0">
+                                          <p:val>
+                                            <p:strVal val="1+#ppt_h/2"/>
+                                          </p:val>
+                                        </p:tav>
+                                        <p:tav tm="100000">
+                                          <p:val>
+                                            <p:strVal val="#ppt_y"/>
+                                          </p:val>
+                                        </p:tav>
+                                      </p:tavLst>
+                                    </p:anim>
+                                  </p:childTnLst>
+                                </p:cTn>
+                              </p:par>
+                            </p:childTnLst>
+                          </p:cTn>
+                        </p:par>
+                      </p:childTnLst>
+                    </p:cTn>
+                  </p:par>
+                </p:childTnLst>
+              </p:cTn>
+              <p:prevCondLst>
+                <p:cond evt="onPrev" delay="0">
+                  <p:tgtEl>
+                    <p:sldTgt/>
+                  </p:tgtEl>
+                </p:cond>
+              </p:prevCondLst>
+              <p:nextCondLst>
+                <p:cond evt="onNext" delay="0">
+                  <p:tgtEl>
+                    <p:sldTgt/>
+                  </p:tgtEl>
+                </p:cond>
+              </p:nextCondLst>
+            </p:seq>
+          </p:childTnLst>
+        </p:cTn>
       </p:par>
     </p:tnLst>
+    <p:bldLst>
+      <p:bldP spid="12" grpId="0"/>
+      <p:bldP spid="13" grpId="0"/>
+      <p:bldP spid="15" grpId="0"/>
+      <p:bldP spid="16" grpId="0"/>
+    </p:bldLst>
   </p:timing>
 </p:sld>
 </file>
@@ -4162,6 +4902,203 @@
   <p:clrMapOvr>
     <a:masterClrMapping/>
   </p:clrMapOvr>
+  <p:transition>
+    <p:push dir="u"/>
+  </p:transition>
+  <p:timing>
+    <p:tnLst>
+      <p:par>
+        <p:cTn id="1" dur="indefinite" restart="never" nodeType="tmRoot">
+          <p:childTnLst>
+            <p:seq concurrent="1" nextAc="seek">
+              <p:cTn id="2" dur="indefinite" nodeType="mainSeq">
+                <p:childTnLst>
+                  <p:par>
+                    <p:cTn id="3" fill="hold">
+                      <p:stCondLst>
+                        <p:cond delay="indefinite"/>
+                      </p:stCondLst>
+                      <p:childTnLst>
+                        <p:par>
+                          <p:cTn id="4" fill="hold">
+                            <p:stCondLst>
+                              <p:cond delay="0"/>
+                            </p:stCondLst>
+                            <p:childTnLst>
+                              <p:par>
+                                <p:cTn id="5" presetID="9" presetClass="entr" presetSubtype="0" fill="hold" grpId="0" nodeType="clickEffect">
+                                  <p:stCondLst>
+                                    <p:cond delay="0"/>
+                                  </p:stCondLst>
+                                  <p:childTnLst>
+                                    <p:set>
+                                      <p:cBhvr>
+                                        <p:cTn id="6" dur="1" fill="hold">
+                                          <p:stCondLst>
+                                            <p:cond delay="0"/>
+                                          </p:stCondLst>
+                                        </p:cTn>
+                                        <p:tgtEl>
+                                          <p:spTgt spid="2"/>
+                                        </p:tgtEl>
+                                        <p:attrNameLst>
+                                          <p:attrName>style.visibility</p:attrName>
+                                        </p:attrNameLst>
+                                      </p:cBhvr>
+                                      <p:to>
+                                        <p:strVal val="visible"/>
+                                      </p:to>
+                                    </p:set>
+                                    <p:animEffect transition="in" filter="dissolve">
+                                      <p:cBhvr>
+                                        <p:cTn id="7" dur="500"/>
+                                        <p:tgtEl>
+                                          <p:spTgt spid="2"/>
+                                        </p:tgtEl>
+                                      </p:cBhvr>
+                                    </p:animEffect>
+                                  </p:childTnLst>
+                                </p:cTn>
+                              </p:par>
+                              <p:par>
+                                <p:cTn id="8" presetID="9" presetClass="entr" presetSubtype="0" fill="hold" grpId="0" nodeType="withEffect">
+                                  <p:stCondLst>
+                                    <p:cond delay="0"/>
+                                  </p:stCondLst>
+                                  <p:childTnLst>
+                                    <p:set>
+                                      <p:cBhvr>
+                                        <p:cTn id="9" dur="1" fill="hold">
+                                          <p:stCondLst>
+                                            <p:cond delay="0"/>
+                                          </p:stCondLst>
+                                        </p:cTn>
+                                        <p:tgtEl>
+                                          <p:spTgt spid="3"/>
+                                        </p:tgtEl>
+                                        <p:attrNameLst>
+                                          <p:attrName>style.visibility</p:attrName>
+                                        </p:attrNameLst>
+                                      </p:cBhvr>
+                                      <p:to>
+                                        <p:strVal val="visible"/>
+                                      </p:to>
+                                    </p:set>
+                                    <p:animEffect transition="in" filter="dissolve">
+                                      <p:cBhvr>
+                                        <p:cTn id="10" dur="500"/>
+                                        <p:tgtEl>
+                                          <p:spTgt spid="3"/>
+                                        </p:tgtEl>
+                                      </p:cBhvr>
+                                    </p:animEffect>
+                                  </p:childTnLst>
+                                </p:cTn>
+                              </p:par>
+                              <p:par>
+                                <p:cTn id="11" presetID="9" presetClass="entr" presetSubtype="0" fill="hold" grpId="0" nodeType="withEffect">
+                                  <p:stCondLst>
+                                    <p:cond delay="0"/>
+                                  </p:stCondLst>
+                                  <p:childTnLst>
+                                    <p:set>
+                                      <p:cBhvr>
+                                        <p:cTn id="12" dur="1" fill="hold">
+                                          <p:stCondLst>
+                                            <p:cond delay="0"/>
+                                          </p:stCondLst>
+                                        </p:cTn>
+                                        <p:tgtEl>
+                                          <p:spTgt spid="4"/>
+                                        </p:tgtEl>
+                                        <p:attrNameLst>
+                                          <p:attrName>style.visibility</p:attrName>
+                                        </p:attrNameLst>
+                                      </p:cBhvr>
+                                      <p:to>
+                                        <p:strVal val="visible"/>
+                                      </p:to>
+                                    </p:set>
+                                    <p:animEffect transition="in" filter="dissolve">
+                                      <p:cBhvr>
+                                        <p:cTn id="13" dur="500"/>
+                                        <p:tgtEl>
+                                          <p:spTgt spid="4"/>
+                                        </p:tgtEl>
+                                      </p:cBhvr>
+                                    </p:animEffect>
+                                  </p:childTnLst>
+                                </p:cTn>
+                              </p:par>
+                              <p:par>
+                                <p:cTn id="14" presetID="9" presetClass="entr" presetSubtype="0" fill="hold" grpId="0" nodeType="withEffect">
+                                  <p:stCondLst>
+                                    <p:cond delay="0"/>
+                                  </p:stCondLst>
+                                  <p:childTnLst>
+                                    <p:set>
+                                      <p:cBhvr>
+                                        <p:cTn id="15" dur="1" fill="hold">
+                                          <p:stCondLst>
+                                            <p:cond delay="0"/>
+                                          </p:stCondLst>
+                                        </p:cTn>
+                                        <p:tgtEl>
+                                          <p:spTgt spid="5"/>
+                                        </p:tgtEl>
+                                        <p:attrNameLst>
+                                          <p:attrName>style.visibility</p:attrName>
+                                        </p:attrNameLst>
+                                      </p:cBhvr>
+                                      <p:to>
+                                        <p:strVal val="visible"/>
+                                      </p:to>
+                                    </p:set>
+                                    <p:animEffect transition="in" filter="dissolve">
+                                      <p:cBhvr>
+                                        <p:cTn id="16" dur="500"/>
+                                        <p:tgtEl>
+                                          <p:spTgt spid="5"/>
+                                        </p:tgtEl>
+                                      </p:cBhvr>
+                                    </p:animEffect>
+                                  </p:childTnLst>
+                                </p:cTn>
+                              </p:par>
+                            </p:childTnLst>
+                          </p:cTn>
+                        </p:par>
+                      </p:childTnLst>
+                    </p:cTn>
+                  </p:par>
+                </p:childTnLst>
+              </p:cTn>
+              <p:prevCondLst>
+                <p:cond evt="onPrev" delay="0">
+                  <p:tgtEl>
+                    <p:sldTgt/>
+                  </p:tgtEl>
+                </p:cond>
+              </p:prevCondLst>
+              <p:nextCondLst>
+                <p:cond evt="onNext" delay="0">
+                  <p:tgtEl>
+                    <p:sldTgt/>
+                  </p:tgtEl>
+                </p:cond>
+              </p:nextCondLst>
+            </p:seq>
+          </p:childTnLst>
+        </p:cTn>
+      </p:par>
+    </p:tnLst>
+    <p:bldLst>
+      <p:bldP spid="2" grpId="0" animBg="1"/>
+      <p:bldP spid="3" grpId="0" animBg="1"/>
+      <p:bldP spid="4" grpId="0"/>
+      <p:bldP spid="5" grpId="0"/>
+    </p:bldLst>
+  </p:timing>
 </p:sld>
 </file>
 
@@ -8259,6 +9196,311 @@
   <p:clrMapOvr>
     <a:masterClrMapping/>
   </p:clrMapOvr>
+  <p:transition>
+    <p:push dir="u"/>
+  </p:transition>
+  <p:timing>
+    <p:tnLst>
+      <p:par>
+        <p:cTn id="1" dur="indefinite" restart="never" nodeType="tmRoot">
+          <p:childTnLst>
+            <p:seq concurrent="1" nextAc="seek">
+              <p:cTn id="2" dur="indefinite" nodeType="mainSeq">
+                <p:childTnLst>
+                  <p:par>
+                    <p:cTn id="3" fill="hold">
+                      <p:stCondLst>
+                        <p:cond delay="indefinite"/>
+                      </p:stCondLst>
+                      <p:childTnLst>
+                        <p:par>
+                          <p:cTn id="4" fill="hold">
+                            <p:stCondLst>
+                              <p:cond delay="0"/>
+                            </p:stCondLst>
+                            <p:childTnLst>
+                              <p:par>
+                                <p:cTn id="5" presetID="9" presetClass="entr" presetSubtype="0" fill="hold" grpId="0" nodeType="clickEffect">
+                                  <p:stCondLst>
+                                    <p:cond delay="0"/>
+                                  </p:stCondLst>
+                                  <p:childTnLst>
+                                    <p:set>
+                                      <p:cBhvr>
+                                        <p:cTn id="6" dur="1" fill="hold">
+                                          <p:stCondLst>
+                                            <p:cond delay="0"/>
+                                          </p:stCondLst>
+                                        </p:cTn>
+                                        <p:tgtEl>
+                                          <p:spTgt spid="10"/>
+                                        </p:tgtEl>
+                                        <p:attrNameLst>
+                                          <p:attrName>style.visibility</p:attrName>
+                                        </p:attrNameLst>
+                                      </p:cBhvr>
+                                      <p:to>
+                                        <p:strVal val="visible"/>
+                                      </p:to>
+                                    </p:set>
+                                    <p:animEffect transition="in" filter="dissolve">
+                                      <p:cBhvr>
+                                        <p:cTn id="7" dur="500"/>
+                                        <p:tgtEl>
+                                          <p:spTgt spid="10"/>
+                                        </p:tgtEl>
+                                      </p:cBhvr>
+                                    </p:animEffect>
+                                  </p:childTnLst>
+                                </p:cTn>
+                              </p:par>
+                            </p:childTnLst>
+                          </p:cTn>
+                        </p:par>
+                      </p:childTnLst>
+                    </p:cTn>
+                  </p:par>
+                  <p:par>
+                    <p:cTn id="8" fill="hold">
+                      <p:stCondLst>
+                        <p:cond delay="indefinite"/>
+                      </p:stCondLst>
+                      <p:childTnLst>
+                        <p:par>
+                          <p:cTn id="9" fill="hold">
+                            <p:stCondLst>
+                              <p:cond delay="0"/>
+                            </p:stCondLst>
+                            <p:childTnLst>
+                              <p:par>
+                                <p:cTn id="10" presetID="9" presetClass="entr" presetSubtype="0" fill="hold" grpId="0" nodeType="clickEffect">
+                                  <p:stCondLst>
+                                    <p:cond delay="0"/>
+                                  </p:stCondLst>
+                                  <p:childTnLst>
+                                    <p:set>
+                                      <p:cBhvr>
+                                        <p:cTn id="11" dur="1" fill="hold">
+                                          <p:stCondLst>
+                                            <p:cond delay="0"/>
+                                          </p:stCondLst>
+                                        </p:cTn>
+                                        <p:tgtEl>
+                                          <p:spTgt spid="31"/>
+                                        </p:tgtEl>
+                                        <p:attrNameLst>
+                                          <p:attrName>style.visibility</p:attrName>
+                                        </p:attrNameLst>
+                                      </p:cBhvr>
+                                      <p:to>
+                                        <p:strVal val="visible"/>
+                                      </p:to>
+                                    </p:set>
+                                    <p:animEffect transition="in" filter="dissolve">
+                                      <p:cBhvr>
+                                        <p:cTn id="12" dur="500"/>
+                                        <p:tgtEl>
+                                          <p:spTgt spid="31"/>
+                                        </p:tgtEl>
+                                      </p:cBhvr>
+                                    </p:animEffect>
+                                  </p:childTnLst>
+                                </p:cTn>
+                              </p:par>
+                            </p:childTnLst>
+                          </p:cTn>
+                        </p:par>
+                      </p:childTnLst>
+                    </p:cTn>
+                  </p:par>
+                  <p:par>
+                    <p:cTn id="13" fill="hold">
+                      <p:stCondLst>
+                        <p:cond delay="indefinite"/>
+                      </p:stCondLst>
+                      <p:childTnLst>
+                        <p:par>
+                          <p:cTn id="14" fill="hold">
+                            <p:stCondLst>
+                              <p:cond delay="0"/>
+                            </p:stCondLst>
+                            <p:childTnLst>
+                              <p:par>
+                                <p:cTn id="15" presetID="9" presetClass="entr" presetSubtype="0" fill="hold" grpId="0" nodeType="clickEffect">
+                                  <p:stCondLst>
+                                    <p:cond delay="0"/>
+                                  </p:stCondLst>
+                                  <p:childTnLst>
+                                    <p:set>
+                                      <p:cBhvr>
+                                        <p:cTn id="16" dur="1" fill="hold">
+                                          <p:stCondLst>
+                                            <p:cond delay="0"/>
+                                          </p:stCondLst>
+                                        </p:cTn>
+                                        <p:tgtEl>
+                                          <p:spTgt spid="27"/>
+                                        </p:tgtEl>
+                                        <p:attrNameLst>
+                                          <p:attrName>style.visibility</p:attrName>
+                                        </p:attrNameLst>
+                                      </p:cBhvr>
+                                      <p:to>
+                                        <p:strVal val="visible"/>
+                                      </p:to>
+                                    </p:set>
+                                    <p:animEffect transition="in" filter="dissolve">
+                                      <p:cBhvr>
+                                        <p:cTn id="17" dur="500"/>
+                                        <p:tgtEl>
+                                          <p:spTgt spid="27"/>
+                                        </p:tgtEl>
+                                      </p:cBhvr>
+                                    </p:animEffect>
+                                  </p:childTnLst>
+                                </p:cTn>
+                              </p:par>
+                            </p:childTnLst>
+                          </p:cTn>
+                        </p:par>
+                      </p:childTnLst>
+                    </p:cTn>
+                  </p:par>
+                  <p:par>
+                    <p:cTn id="18" fill="hold">
+                      <p:stCondLst>
+                        <p:cond delay="indefinite"/>
+                      </p:stCondLst>
+                      <p:childTnLst>
+                        <p:par>
+                          <p:cTn id="19" fill="hold">
+                            <p:stCondLst>
+                              <p:cond delay="0"/>
+                            </p:stCondLst>
+                            <p:childTnLst>
+                              <p:par>
+                                <p:cTn id="20" presetID="9" presetClass="entr" presetSubtype="0" fill="hold" grpId="0" nodeType="clickEffect">
+                                  <p:stCondLst>
+                                    <p:cond delay="0"/>
+                                  </p:stCondLst>
+                                  <p:childTnLst>
+                                    <p:set>
+                                      <p:cBhvr>
+                                        <p:cTn id="21" dur="1" fill="hold">
+                                          <p:stCondLst>
+                                            <p:cond delay="0"/>
+                                          </p:stCondLst>
+                                        </p:cTn>
+                                        <p:tgtEl>
+                                          <p:spTgt spid="33"/>
+                                        </p:tgtEl>
+                                        <p:attrNameLst>
+                                          <p:attrName>style.visibility</p:attrName>
+                                        </p:attrNameLst>
+                                      </p:cBhvr>
+                                      <p:to>
+                                        <p:strVal val="visible"/>
+                                      </p:to>
+                                    </p:set>
+                                    <p:animEffect transition="in" filter="dissolve">
+                                      <p:cBhvr>
+                                        <p:cTn id="22" dur="500"/>
+                                        <p:tgtEl>
+                                          <p:spTgt spid="33"/>
+                                        </p:tgtEl>
+                                      </p:cBhvr>
+                                    </p:animEffect>
+                                  </p:childTnLst>
+                                </p:cTn>
+                              </p:par>
+                            </p:childTnLst>
+                          </p:cTn>
+                        </p:par>
+                      </p:childTnLst>
+                    </p:cTn>
+                  </p:par>
+                  <p:par>
+                    <p:cTn id="23" fill="hold">
+                      <p:stCondLst>
+                        <p:cond delay="indefinite"/>
+                      </p:stCondLst>
+                      <p:childTnLst>
+                        <p:par>
+                          <p:cTn id="24" fill="hold">
+                            <p:stCondLst>
+                              <p:cond delay="0"/>
+                            </p:stCondLst>
+                            <p:childTnLst>
+                              <p:par>
+                                <p:cTn id="25" presetID="9" presetClass="entr" presetSubtype="0" fill="hold" grpId="0" nodeType="clickEffect">
+                                  <p:stCondLst>
+                                    <p:cond delay="0"/>
+                                  </p:stCondLst>
+                                  <p:childTnLst>
+                                    <p:set>
+                                      <p:cBhvr>
+                                        <p:cTn id="26" dur="1" fill="hold">
+                                          <p:stCondLst>
+                                            <p:cond delay="0"/>
+                                          </p:stCondLst>
+                                        </p:cTn>
+                                        <p:tgtEl>
+                                          <p:spTgt spid="29"/>
+                                        </p:tgtEl>
+                                        <p:attrNameLst>
+                                          <p:attrName>style.visibility</p:attrName>
+                                        </p:attrNameLst>
+                                      </p:cBhvr>
+                                      <p:to>
+                                        <p:strVal val="visible"/>
+                                      </p:to>
+                                    </p:set>
+                                    <p:animEffect transition="in" filter="dissolve">
+                                      <p:cBhvr>
+                                        <p:cTn id="27" dur="500"/>
+                                        <p:tgtEl>
+                                          <p:spTgt spid="29"/>
+                                        </p:tgtEl>
+                                      </p:cBhvr>
+                                    </p:animEffect>
+                                  </p:childTnLst>
+                                </p:cTn>
+                              </p:par>
+                            </p:childTnLst>
+                          </p:cTn>
+                        </p:par>
+                      </p:childTnLst>
+                    </p:cTn>
+                  </p:par>
+                </p:childTnLst>
+              </p:cTn>
+              <p:prevCondLst>
+                <p:cond evt="onPrev" delay="0">
+                  <p:tgtEl>
+                    <p:sldTgt/>
+                  </p:tgtEl>
+                </p:cond>
+              </p:prevCondLst>
+              <p:nextCondLst>
+                <p:cond evt="onNext" delay="0">
+                  <p:tgtEl>
+                    <p:sldTgt/>
+                  </p:tgtEl>
+                </p:cond>
+              </p:nextCondLst>
+            </p:seq>
+          </p:childTnLst>
+        </p:cTn>
+      </p:par>
+    </p:tnLst>
+    <p:bldLst>
+      <p:bldP spid="10" grpId="0"/>
+      <p:bldP spid="31" grpId="0"/>
+      <p:bldP spid="27" grpId="0"/>
+      <p:bldP spid="33" grpId="0"/>
+      <p:bldP spid="29" grpId="0"/>
+    </p:bldLst>
+  </p:timing>
 </p:sld>
 </file>
 
@@ -8563,6 +9805,203 @@
   <p:clrMapOvr>
     <a:masterClrMapping/>
   </p:clrMapOvr>
+  <p:transition>
+    <p:push dir="u"/>
+  </p:transition>
+  <p:timing>
+    <p:tnLst>
+      <p:par>
+        <p:cTn id="1" dur="indefinite" restart="never" nodeType="tmRoot">
+          <p:childTnLst>
+            <p:seq concurrent="1" nextAc="seek">
+              <p:cTn id="2" dur="indefinite" nodeType="mainSeq">
+                <p:childTnLst>
+                  <p:par>
+                    <p:cTn id="3" fill="hold">
+                      <p:stCondLst>
+                        <p:cond delay="indefinite"/>
+                      </p:stCondLst>
+                      <p:childTnLst>
+                        <p:par>
+                          <p:cTn id="4" fill="hold">
+                            <p:stCondLst>
+                              <p:cond delay="0"/>
+                            </p:stCondLst>
+                            <p:childTnLst>
+                              <p:par>
+                                <p:cTn id="5" presetID="9" presetClass="entr" presetSubtype="0" fill="hold" grpId="0" nodeType="clickEffect">
+                                  <p:stCondLst>
+                                    <p:cond delay="0"/>
+                                  </p:stCondLst>
+                                  <p:childTnLst>
+                                    <p:set>
+                                      <p:cBhvr>
+                                        <p:cTn id="6" dur="1" fill="hold">
+                                          <p:stCondLst>
+                                            <p:cond delay="0"/>
+                                          </p:stCondLst>
+                                        </p:cTn>
+                                        <p:tgtEl>
+                                          <p:spTgt spid="2"/>
+                                        </p:tgtEl>
+                                        <p:attrNameLst>
+                                          <p:attrName>style.visibility</p:attrName>
+                                        </p:attrNameLst>
+                                      </p:cBhvr>
+                                      <p:to>
+                                        <p:strVal val="visible"/>
+                                      </p:to>
+                                    </p:set>
+                                    <p:animEffect transition="in" filter="dissolve">
+                                      <p:cBhvr>
+                                        <p:cTn id="7" dur="500"/>
+                                        <p:tgtEl>
+                                          <p:spTgt spid="2"/>
+                                        </p:tgtEl>
+                                      </p:cBhvr>
+                                    </p:animEffect>
+                                  </p:childTnLst>
+                                </p:cTn>
+                              </p:par>
+                              <p:par>
+                                <p:cTn id="8" presetID="9" presetClass="entr" presetSubtype="0" fill="hold" grpId="0" nodeType="withEffect">
+                                  <p:stCondLst>
+                                    <p:cond delay="0"/>
+                                  </p:stCondLst>
+                                  <p:childTnLst>
+                                    <p:set>
+                                      <p:cBhvr>
+                                        <p:cTn id="9" dur="1" fill="hold">
+                                          <p:stCondLst>
+                                            <p:cond delay="0"/>
+                                          </p:stCondLst>
+                                        </p:cTn>
+                                        <p:tgtEl>
+                                          <p:spTgt spid="3"/>
+                                        </p:tgtEl>
+                                        <p:attrNameLst>
+                                          <p:attrName>style.visibility</p:attrName>
+                                        </p:attrNameLst>
+                                      </p:cBhvr>
+                                      <p:to>
+                                        <p:strVal val="visible"/>
+                                      </p:to>
+                                    </p:set>
+                                    <p:animEffect transition="in" filter="dissolve">
+                                      <p:cBhvr>
+                                        <p:cTn id="10" dur="500"/>
+                                        <p:tgtEl>
+                                          <p:spTgt spid="3"/>
+                                        </p:tgtEl>
+                                      </p:cBhvr>
+                                    </p:animEffect>
+                                  </p:childTnLst>
+                                </p:cTn>
+                              </p:par>
+                              <p:par>
+                                <p:cTn id="11" presetID="9" presetClass="entr" presetSubtype="0" fill="hold" grpId="0" nodeType="withEffect">
+                                  <p:stCondLst>
+                                    <p:cond delay="0"/>
+                                  </p:stCondLst>
+                                  <p:childTnLst>
+                                    <p:set>
+                                      <p:cBhvr>
+                                        <p:cTn id="12" dur="1" fill="hold">
+                                          <p:stCondLst>
+                                            <p:cond delay="0"/>
+                                          </p:stCondLst>
+                                        </p:cTn>
+                                        <p:tgtEl>
+                                          <p:spTgt spid="4"/>
+                                        </p:tgtEl>
+                                        <p:attrNameLst>
+                                          <p:attrName>style.visibility</p:attrName>
+                                        </p:attrNameLst>
+                                      </p:cBhvr>
+                                      <p:to>
+                                        <p:strVal val="visible"/>
+                                      </p:to>
+                                    </p:set>
+                                    <p:animEffect transition="in" filter="dissolve">
+                                      <p:cBhvr>
+                                        <p:cTn id="13" dur="500"/>
+                                        <p:tgtEl>
+                                          <p:spTgt spid="4"/>
+                                        </p:tgtEl>
+                                      </p:cBhvr>
+                                    </p:animEffect>
+                                  </p:childTnLst>
+                                </p:cTn>
+                              </p:par>
+                              <p:par>
+                                <p:cTn id="14" presetID="9" presetClass="entr" presetSubtype="0" fill="hold" grpId="0" nodeType="withEffect">
+                                  <p:stCondLst>
+                                    <p:cond delay="0"/>
+                                  </p:stCondLst>
+                                  <p:childTnLst>
+                                    <p:set>
+                                      <p:cBhvr>
+                                        <p:cTn id="15" dur="1" fill="hold">
+                                          <p:stCondLst>
+                                            <p:cond delay="0"/>
+                                          </p:stCondLst>
+                                        </p:cTn>
+                                        <p:tgtEl>
+                                          <p:spTgt spid="5"/>
+                                        </p:tgtEl>
+                                        <p:attrNameLst>
+                                          <p:attrName>style.visibility</p:attrName>
+                                        </p:attrNameLst>
+                                      </p:cBhvr>
+                                      <p:to>
+                                        <p:strVal val="visible"/>
+                                      </p:to>
+                                    </p:set>
+                                    <p:animEffect transition="in" filter="dissolve">
+                                      <p:cBhvr>
+                                        <p:cTn id="16" dur="500"/>
+                                        <p:tgtEl>
+                                          <p:spTgt spid="5"/>
+                                        </p:tgtEl>
+                                      </p:cBhvr>
+                                    </p:animEffect>
+                                  </p:childTnLst>
+                                </p:cTn>
+                              </p:par>
+                            </p:childTnLst>
+                          </p:cTn>
+                        </p:par>
+                      </p:childTnLst>
+                    </p:cTn>
+                  </p:par>
+                </p:childTnLst>
+              </p:cTn>
+              <p:prevCondLst>
+                <p:cond evt="onPrev" delay="0">
+                  <p:tgtEl>
+                    <p:sldTgt/>
+                  </p:tgtEl>
+                </p:cond>
+              </p:prevCondLst>
+              <p:nextCondLst>
+                <p:cond evt="onNext" delay="0">
+                  <p:tgtEl>
+                    <p:sldTgt/>
+                  </p:tgtEl>
+                </p:cond>
+              </p:nextCondLst>
+            </p:seq>
+          </p:childTnLst>
+        </p:cTn>
+      </p:par>
+    </p:tnLst>
+    <p:bldLst>
+      <p:bldP spid="2" grpId="0" animBg="1"/>
+      <p:bldP spid="3" grpId="0" animBg="1"/>
+      <p:bldP spid="4" grpId="0"/>
+      <p:bldP spid="5" grpId="0"/>
+    </p:bldLst>
+  </p:timing>
 </p:sld>
 </file>
 
@@ -8686,6 +10125,9 @@
   <p:clrMapOvr>
     <a:masterClrMapping/>
   </p:clrMapOvr>
+  <p:transition>
+    <p:push dir="u"/>
+  </p:transition>
   <p:timing>
     <p:tnLst>
       <p:par>
